--- a/Finance/机器学习在金融行业的应用.pptx
+++ b/Finance/机器学习在金融行业的应用.pptx
@@ -10599,7 +10599,19 @@
           <a:p>
             <a:r>
               <a:rPr lang="zh-CN" altLang="en-US" sz="2400" dirty="0"/>
-              <a:t>数据集来自西安市汽车行业中小企业。这些企业以陕西汽车集团有限责任公司、比亚迪汽车有限公司等整车制造企业为核心，形成西安市汽车行业供应链 。预测企业是否有期限在一年及一年以内短期贷款和应付账款 </a:t>
+              <a:t>数据集来自西安市汽车行业中小企业。这些企业以陕西汽车集团有限责任公司、比亚迪汽车有限公司等整车制造企业为核心，形成西安市汽车行业供应链 。预测企业</a:t>
+            </a:r>
+            <a:r>
+              <a:rPr lang="zh-CN" altLang="en-US" sz="2400"/>
+              <a:t>是否有逾期未还的短期</a:t>
+            </a:r>
+            <a:r>
+              <a:rPr lang="zh-CN" altLang="en-US" sz="2400" dirty="0"/>
+              <a:t>贷款和</a:t>
+            </a:r>
+            <a:r>
+              <a:rPr lang="zh-CN" altLang="en-US" sz="2400"/>
+              <a:t>应付账款（期限在一年及一年以内）</a:t>
             </a:r>
             <a:br>
               <a:rPr lang="zh-CN" altLang="en-US" sz="2400" dirty="0"/>
